--- a/Slides.pptx
+++ b/Slides.pptx
@@ -5,10 +5,10 @@
     <p:sldMasterId id="2147483648" r:id="rId1"/>
   </p:sldMasterIdLst>
   <p:notesMasterIdLst>
-    <p:notesMasterId r:id="rId8"/>
+    <p:notesMasterId r:id="rId9"/>
   </p:notesMasterIdLst>
   <p:handoutMasterIdLst>
-    <p:handoutMasterId r:id="rId9"/>
+    <p:handoutMasterId r:id="rId10"/>
   </p:handoutMasterIdLst>
   <p:sldIdLst>
     <p:sldId id="1111" r:id="rId2"/>
@@ -17,11 +17,12 @@
     <p:sldId id="1115" r:id="rId5"/>
     <p:sldId id="1116" r:id="rId6"/>
     <p:sldId id="1117" r:id="rId7"/>
+    <p:sldId id="1118" r:id="rId8"/>
   </p:sldIdLst>
   <p:sldSz cx="9144000" cy="6858000" type="screen4x3"/>
   <p:notesSz cx="6797675" cy="9874250"/>
   <p:custDataLst>
-    <p:tags r:id="rId10"/>
+    <p:tags r:id="rId11"/>
   </p:custDataLst>
   <p:defaultTextStyle>
     <a:defPPr>
@@ -259,7 +260,7 @@
               </a14:hiddenLine>
             </a:ext>
             <a:ext uri="{FAA26D3D-D897-4be2-8F04-BA451C77F1D7}">
-              <ma14:placeholderFlag xmlns:ma14="http://schemas.microsoft.com/office/mac/drawingml/2011/main" xmlns="" val="1"/>
+              <ma14:placeholderFlag xmlns="" xmlns:ma14="http://schemas.microsoft.com/office/mac/drawingml/2011/main" val="1"/>
             </a:ext>
           </a:extLst>
         </p:spPr>
@@ -320,7 +321,7 @@
               </a14:hiddenLine>
             </a:ext>
             <a:ext uri="{FAA26D3D-D897-4be2-8F04-BA451C77F1D7}">
-              <ma14:placeholderFlag xmlns:ma14="http://schemas.microsoft.com/office/mac/drawingml/2011/main" xmlns="" val="1"/>
+              <ma14:placeholderFlag xmlns="" xmlns:ma14="http://schemas.microsoft.com/office/mac/drawingml/2011/main" val="1"/>
             </a:ext>
           </a:extLst>
         </p:spPr>
@@ -381,7 +382,7 @@
               </a14:hiddenLine>
             </a:ext>
             <a:ext uri="{FAA26D3D-D897-4be2-8F04-BA451C77F1D7}">
-              <ma14:placeholderFlag xmlns:ma14="http://schemas.microsoft.com/office/mac/drawingml/2011/main" xmlns="" val="1"/>
+              <ma14:placeholderFlag xmlns="" xmlns:ma14="http://schemas.microsoft.com/office/mac/drawingml/2011/main" val="1"/>
             </a:ext>
           </a:extLst>
         </p:spPr>
@@ -442,7 +443,7 @@
               </a14:hiddenLine>
             </a:ext>
             <a:ext uri="{FAA26D3D-D897-4be2-8F04-BA451C77F1D7}">
-              <ma14:placeholderFlag xmlns:ma14="http://schemas.microsoft.com/office/mac/drawingml/2011/main" xmlns="" val="1"/>
+              <ma14:placeholderFlag xmlns="" xmlns:ma14="http://schemas.microsoft.com/office/mac/drawingml/2011/main" val="1"/>
             </a:ext>
           </a:extLst>
         </p:spPr>
@@ -544,7 +545,7 @@
               </a14:hiddenLine>
             </a:ext>
             <a:ext uri="{FAA26D3D-D897-4be2-8F04-BA451C77F1D7}">
-              <ma14:placeholderFlag xmlns:ma14="http://schemas.microsoft.com/office/mac/drawingml/2011/main" xmlns="" val="1"/>
+              <ma14:placeholderFlag xmlns="" xmlns:ma14="http://schemas.microsoft.com/office/mac/drawingml/2011/main" val="1"/>
             </a:ext>
           </a:extLst>
         </p:spPr>
@@ -605,7 +606,7 @@
               </a14:hiddenLine>
             </a:ext>
             <a:ext uri="{FAA26D3D-D897-4be2-8F04-BA451C77F1D7}">
-              <ma14:placeholderFlag xmlns:ma14="http://schemas.microsoft.com/office/mac/drawingml/2011/main" xmlns="" val="1"/>
+              <ma14:placeholderFlag xmlns="" xmlns:ma14="http://schemas.microsoft.com/office/mac/drawingml/2011/main" val="1"/>
             </a:ext>
           </a:extLst>
         </p:spPr>
@@ -712,7 +713,7 @@
               </a14:hiddenLine>
             </a:ext>
             <a:ext uri="{FAA26D3D-D897-4be2-8F04-BA451C77F1D7}">
-              <ma14:placeholderFlag xmlns:ma14="http://schemas.microsoft.com/office/mac/drawingml/2011/main" xmlns="" val="1"/>
+              <ma14:placeholderFlag xmlns="" xmlns:ma14="http://schemas.microsoft.com/office/mac/drawingml/2011/main" val="1"/>
             </a:ext>
           </a:extLst>
         </p:spPr>
@@ -801,7 +802,7 @@
               </a14:hiddenLine>
             </a:ext>
             <a:ext uri="{FAA26D3D-D897-4be2-8F04-BA451C77F1D7}">
-              <ma14:placeholderFlag xmlns:ma14="http://schemas.microsoft.com/office/mac/drawingml/2011/main" xmlns="" val="1"/>
+              <ma14:placeholderFlag xmlns="" xmlns:ma14="http://schemas.microsoft.com/office/mac/drawingml/2011/main" val="1"/>
             </a:ext>
           </a:extLst>
         </p:spPr>
@@ -862,7 +863,7 @@
               </a14:hiddenLine>
             </a:ext>
             <a:ext uri="{FAA26D3D-D897-4be2-8F04-BA451C77F1D7}">
-              <ma14:placeholderFlag xmlns:ma14="http://schemas.microsoft.com/office/mac/drawingml/2011/main" xmlns="" val="1"/>
+              <ma14:placeholderFlag xmlns="" xmlns:ma14="http://schemas.microsoft.com/office/mac/drawingml/2011/main" val="1"/>
             </a:ext>
           </a:extLst>
         </p:spPr>
@@ -1243,7 +1244,7 @@
           <a:effectLst/>
           <a:extLst>
             <a:ext uri="{AF507438-7753-43e0-B8FC-AC1667EBCBE1}">
-              <a14:hiddenEffects xmlns:a14="http://schemas.microsoft.com/office/drawing/2010/main" xmlns="">
+              <a14:hiddenEffects xmlns="" xmlns:a14="http://schemas.microsoft.com/office/drawing/2010/main">
                 <a:effectLst>
                   <a:outerShdw blurRad="63500" dist="38099" dir="2700000" algn="ctr" rotWithShape="0">
                     <a:schemeClr val="bg2">
@@ -9385,7 +9386,7 @@
           <a:graphicData uri="http://schemas.openxmlformats.org/presentationml/2006/ole">
             <mc:AlternateContent xmlns:mc="http://schemas.openxmlformats.org/markup-compatibility/2006">
               <mc:Choice xmlns:v="urn:schemas-microsoft-com:vml" Requires="v">
-                <p:oleObj spid="_x0000_s67398" name="think-cell Folie" r:id="rId26" imgW="353" imgH="353" progId="TCLayout.ActiveDocument.1">
+                <p:oleObj spid="_x0000_s67401" name="think-cell Folie" r:id="rId26" imgW="353" imgH="353" progId="TCLayout.ActiveDocument.1">
                   <p:embed/>
                 </p:oleObj>
               </mc:Choice>
@@ -10210,8 +10211,8 @@
           <a:chExt cx="0" cy="0"/>
         </a:xfrm>
       </p:grpSpPr>
-      <mc:AlternateContent xmlns:mc="http://schemas.openxmlformats.org/markup-compatibility/2006">
-        <mc:Choice xmlns:a14="http://schemas.microsoft.com/office/drawing/2010/main" Requires="a14">
+      <mc:AlternateContent xmlns:mc="http://schemas.openxmlformats.org/markup-compatibility/2006" xmlns:a14="http://schemas.microsoft.com/office/drawing/2010/main">
+        <mc:Choice Requires="a14">
           <p:sp>
             <p:nvSpPr>
               <p:cNvPr id="2" name="Text Placeholder 1">
@@ -10375,7 +10376,7 @@
             </p:txBody>
           </p:sp>
         </mc:Choice>
-        <mc:Fallback>
+        <mc:Fallback xmlns="">
           <p:sp>
             <p:nvSpPr>
               <p:cNvPr id="2" name="Text Placeholder 1">
@@ -10593,7 +10594,7 @@
           <a:p>
             <a:r>
               <a:rPr lang="en-US" dirty="0"/>
-              <a:t>CARs are calculated using a three day time window centered around the announcement day</a:t>
+              <a:t>CARs are calculated using a seven day time window centered around the announcement day</a:t>
             </a:r>
           </a:p>
           <a:p>
@@ -11410,15 +11411,7 @@
           <a:p>
             <a:r>
               <a:rPr lang="en-US" dirty="0"/>
-              <a:t>The blue line </a:t>
-            </a:r>
-            <a:r>
-              <a:rPr lang="en-US" dirty="0" err="1"/>
-              <a:t>ís</a:t>
-            </a:r>
-            <a:r>
-              <a:rPr lang="en-US" dirty="0"/>
-              <a:t> a regression based on firms in the lowest leverage quantile, the red one is based on highly leveraged firms</a:t>
+              <a:t>The blue line is a regression based on firms in the lowest leverage quantile, the red one is based on highly leveraged firms</a:t>
             </a:r>
             <a:endParaRPr lang="en-DE" dirty="0"/>
           </a:p>
@@ -11604,7 +11597,7 @@
           <a:p>
             <a:r>
               <a:rPr lang="en-US" dirty="0"/>
-              <a:t>Theoretically the ERC is based on the assumption that earnings predict future dividends. However, I use accounting earnings which measure the firm’s dividend paying ability with error</a:t>
+              <a:t>Theoretically the ERC is based on the assumption that earnings predict future dividends. However, I use accounting earnings which measure the firm’s dividend paying ability with an error</a:t>
             </a:r>
           </a:p>
           <a:p>
@@ -11739,6 +11732,211 @@
     <p:extLst>
       <p:ext uri="{BB962C8B-B14F-4D97-AF65-F5344CB8AC3E}">
         <p14:creationId xmlns:p14="http://schemas.microsoft.com/office/powerpoint/2010/main" val="158319802"/>
+      </p:ext>
+    </p:extLst>
+  </p:cSld>
+  <p:clrMapOvr>
+    <a:masterClrMapping/>
+  </p:clrMapOvr>
+</p:sld>
+</file>
+
+<file path=ppt/slides/slide7.xml><?xml version="1.0" encoding="utf-8"?>
+<p:sld xmlns:a="http://schemas.openxmlformats.org/drawingml/2006/main" xmlns:r="http://schemas.openxmlformats.org/officeDocument/2006/relationships" xmlns:p="http://schemas.openxmlformats.org/presentationml/2006/main">
+  <p:cSld>
+    <p:spTree>
+      <p:nvGrpSpPr>
+        <p:cNvPr id="1" name=""/>
+        <p:cNvGrpSpPr/>
+        <p:nvPr/>
+      </p:nvGrpSpPr>
+      <p:grpSpPr>
+        <a:xfrm>
+          <a:off x="0" y="0"/>
+          <a:ext cx="0" cy="0"/>
+          <a:chOff x="0" y="0"/>
+          <a:chExt cx="0" cy="0"/>
+        </a:xfrm>
+      </p:grpSpPr>
+      <p:sp>
+        <p:nvSpPr>
+          <p:cNvPr id="2" name="Text Placeholder 1">
+            <a:extLst>
+              <a:ext uri="{FF2B5EF4-FFF2-40B4-BE49-F238E27FC236}">
+                <a16:creationId xmlns:a16="http://schemas.microsoft.com/office/drawing/2014/main" id="{4FBA3656-AE68-410D-92FE-CF59383A6EFA}"/>
+              </a:ext>
+            </a:extLst>
+          </p:cNvPr>
+          <p:cNvSpPr>
+            <a:spLocks noGrp="1"/>
+          </p:cNvSpPr>
+          <p:nvPr>
+            <p:ph type="body" idx="1"/>
+          </p:nvPr>
+        </p:nvSpPr>
+        <p:spPr/>
+        <p:txBody>
+          <a:bodyPr/>
+          <a:lstStyle/>
+          <a:p>
+            <a:r>
+              <a:rPr lang="en-US" dirty="0"/>
+              <a:t>Collins, D.W., Kothari, S.P. (1989): An analysis of intertemporal and cross-sectional determinants of earnings response coefficients. Journal of Accounting and Economics, 11, 143-181.</a:t>
+            </a:r>
+          </a:p>
+          <a:p>
+            <a:pPr marL="0" indent="0">
+              <a:buNone/>
+            </a:pPr>
+            <a:endParaRPr lang="en-US" dirty="0"/>
+          </a:p>
+          <a:p>
+            <a:r>
+              <a:rPr lang="en-US" dirty="0" err="1"/>
+              <a:t>Teets</a:t>
+            </a:r>
+            <a:r>
+              <a:rPr lang="en-US" dirty="0"/>
+              <a:t>, W.R., </a:t>
+            </a:r>
+            <a:r>
+              <a:rPr lang="en-US" dirty="0" err="1"/>
+              <a:t>Wasley</a:t>
+            </a:r>
+            <a:r>
+              <a:rPr lang="en-US" dirty="0"/>
+              <a:t>, C.E. (1996): Estimating earnings response coefficients: Pooled versus firm-specific models. Journal of Accounting and Economics, 21, 279-295.</a:t>
+            </a:r>
+          </a:p>
+          <a:p>
+            <a:pPr marL="0" indent="0">
+              <a:buNone/>
+            </a:pPr>
+            <a:endParaRPr lang="en-US" dirty="0"/>
+          </a:p>
+          <a:p>
+            <a:r>
+              <a:rPr lang="en-US" dirty="0" err="1"/>
+              <a:t>Bissessur</a:t>
+            </a:r>
+            <a:r>
+              <a:rPr lang="en-US" dirty="0"/>
+              <a:t>, S.W., </a:t>
+            </a:r>
+            <a:r>
+              <a:rPr lang="en-US" dirty="0" err="1"/>
+              <a:t>Veenman</a:t>
+            </a:r>
+            <a:r>
+              <a:rPr lang="en-US" dirty="0"/>
+              <a:t>, D. (2016): Analyst information precision and small earnings surprises. Review of Accounting Studies, 21, 1327-1360.</a:t>
+            </a:r>
+            <a:endParaRPr lang="en-DE" dirty="0"/>
+          </a:p>
+        </p:txBody>
+      </p:sp>
+      <p:sp>
+        <p:nvSpPr>
+          <p:cNvPr id="3" name="Slide Number Placeholder 2">
+            <a:extLst>
+              <a:ext uri="{FF2B5EF4-FFF2-40B4-BE49-F238E27FC236}">
+                <a16:creationId xmlns:a16="http://schemas.microsoft.com/office/drawing/2014/main" id="{9368814B-B3C6-4E74-9B29-773D491D40CD}"/>
+              </a:ext>
+            </a:extLst>
+          </p:cNvPr>
+          <p:cNvSpPr>
+            <a:spLocks noGrp="1"/>
+          </p:cNvSpPr>
+          <p:nvPr>
+            <p:ph type="sldNum" sz="quarter" idx="16"/>
+          </p:nvPr>
+        </p:nvSpPr>
+        <p:spPr/>
+        <p:txBody>
+          <a:bodyPr/>
+          <a:lstStyle/>
+          <a:p>
+            <a:fld id="{DA053B40-9D39-46A1-BFAC-7597B26C1972}" type="slidenum">
+              <a:rPr lang="de-DE" smtClean="0"/>
+              <a:pPr/>
+              <a:t>6</a:t>
+            </a:fld>
+            <a:endParaRPr lang="de-DE"/>
+          </a:p>
+        </p:txBody>
+      </p:sp>
+      <p:sp>
+        <p:nvSpPr>
+          <p:cNvPr id="4" name="Title 3">
+            <a:extLst>
+              <a:ext uri="{FF2B5EF4-FFF2-40B4-BE49-F238E27FC236}">
+                <a16:creationId xmlns:a16="http://schemas.microsoft.com/office/drawing/2014/main" id="{1DB23182-282B-4744-BCFC-5E520F0A548F}"/>
+              </a:ext>
+            </a:extLst>
+          </p:cNvPr>
+          <p:cNvSpPr>
+            <a:spLocks noGrp="1"/>
+          </p:cNvSpPr>
+          <p:nvPr>
+            <p:ph type="title"/>
+          </p:nvPr>
+        </p:nvSpPr>
+        <p:spPr>
+          <a:xfrm>
+            <a:off x="522000" y="422053"/>
+            <a:ext cx="5554726" cy="523220"/>
+          </a:xfrm>
+        </p:spPr>
+        <p:txBody>
+          <a:bodyPr/>
+          <a:lstStyle/>
+          <a:p>
+            <a:r>
+              <a:rPr lang="en-US" dirty="0"/>
+              <a:t>Earnings Response Coefficients</a:t>
+            </a:r>
+            <a:endParaRPr lang="en-DE" dirty="0"/>
+          </a:p>
+        </p:txBody>
+      </p:sp>
+      <p:sp>
+        <p:nvSpPr>
+          <p:cNvPr id="5" name="Text Placeholder 4">
+            <a:extLst>
+              <a:ext uri="{FF2B5EF4-FFF2-40B4-BE49-F238E27FC236}">
+                <a16:creationId xmlns:a16="http://schemas.microsoft.com/office/drawing/2014/main" id="{31437260-2C37-4C0C-9CB3-550D517393EE}"/>
+              </a:ext>
+            </a:extLst>
+          </p:cNvPr>
+          <p:cNvSpPr>
+            <a:spLocks noGrp="1"/>
+          </p:cNvSpPr>
+          <p:nvPr>
+            <p:ph type="body" sz="quarter" idx="17"/>
+          </p:nvPr>
+        </p:nvSpPr>
+        <p:spPr>
+          <a:xfrm>
+            <a:off x="521999" y="813553"/>
+            <a:ext cx="1954381" cy="523220"/>
+          </a:xfrm>
+        </p:spPr>
+        <p:txBody>
+          <a:bodyPr/>
+          <a:lstStyle/>
+          <a:p>
+            <a:r>
+              <a:rPr lang="en-US" dirty="0"/>
+              <a:t>Literature</a:t>
+            </a:r>
+            <a:endParaRPr lang="en-DE" dirty="0"/>
+          </a:p>
+        </p:txBody>
+      </p:sp>
+    </p:spTree>
+    <p:extLst>
+      <p:ext uri="{BB962C8B-B14F-4D97-AF65-F5344CB8AC3E}">
+        <p14:creationId xmlns:p14="http://schemas.microsoft.com/office/powerpoint/2010/main" val="3314581085"/>
       </p:ext>
     </p:extLst>
   </p:cSld>
